--- a/TEAM4_PROTOTYPE.pptx
+++ b/TEAM4_PROTOTYPE.pptx
@@ -110,6 +110,22 @@
       </a:defRPr>
     </a:lvl9pPr>
   </p:defaultTextStyle>
+  <p:extLst>
+    <p:ext uri="{EFAFB233-063F-42B5-8137-9DF3F51BA10A}">
+      <p15:sldGuideLst xmlns:p15="http://schemas.microsoft.com/office/powerpoint/2012/main">
+        <p15:guide id="1" orient="horz" pos="2160">
+          <p15:clr>
+            <a:srgbClr val="A4A3A4"/>
+          </p15:clr>
+        </p15:guide>
+        <p15:guide id="2" pos="2880">
+          <p15:clr>
+            <a:srgbClr val="A4A3A4"/>
+          </p15:clr>
+        </p15:guide>
+      </p15:sldGuideLst>
+    </p:ext>
+  </p:extLst>
 </p:presentation>
 </file>
 
@@ -151,10 +167,9 @@
           <a:lstStyle/>
           <a:p>
             <a:r>
-              <a:rPr lang="en-US" smtClean="0"/>
+              <a:rPr lang="en-US"/>
               <a:t>Click to edit Master title style</a:t>
             </a:r>
-            <a:endParaRPr lang="en-US"/>
           </a:p>
         </p:txBody>
       </p:sp>
@@ -270,10 +285,9 @@
           </a:lstStyle>
           <a:p>
             <a:r>
-              <a:rPr lang="en-US" smtClean="0"/>
+              <a:rPr lang="en-US"/>
               <a:t>Click to edit Master subtitle style</a:t>
             </a:r>
-            <a:endParaRPr lang="en-US"/>
           </a:p>
         </p:txBody>
       </p:sp>
@@ -294,7 +308,7 @@
           <a:p>
             <a:fld id="{35D5AD20-49E9-1145-A8B3-F0422E41BDB2}" type="datetimeFigureOut">
               <a:rPr lang="en-US" smtClean="0"/>
-              <a:t>11/4/19</a:t>
+              <a:t>11/6/2019</a:t>
             </a:fld>
             <a:endParaRPr lang="en-US"/>
           </a:p>
@@ -388,10 +402,9 @@
           <a:lstStyle/>
           <a:p>
             <a:r>
-              <a:rPr lang="en-US" smtClean="0"/>
+              <a:rPr lang="en-US"/>
               <a:t>Click to edit Master title style</a:t>
             </a:r>
-            <a:endParaRPr lang="en-US"/>
           </a:p>
         </p:txBody>
       </p:sp>
@@ -412,38 +425,37 @@
           <a:p>
             <a:pPr lvl="0"/>
             <a:r>
-              <a:rPr lang="en-US" smtClean="0"/>
+              <a:rPr lang="en-US"/>
               <a:t>Click to edit Master text styles</a:t>
             </a:r>
           </a:p>
           <a:p>
             <a:pPr lvl="1"/>
             <a:r>
-              <a:rPr lang="en-US" smtClean="0"/>
+              <a:rPr lang="en-US"/>
               <a:t>Second level</a:t>
             </a:r>
           </a:p>
           <a:p>
             <a:pPr lvl="2"/>
             <a:r>
-              <a:rPr lang="en-US" smtClean="0"/>
+              <a:rPr lang="en-US"/>
               <a:t>Third level</a:t>
             </a:r>
           </a:p>
           <a:p>
             <a:pPr lvl="3"/>
             <a:r>
-              <a:rPr lang="en-US" smtClean="0"/>
+              <a:rPr lang="en-US"/>
               <a:t>Fourth level</a:t>
             </a:r>
           </a:p>
           <a:p>
             <a:pPr lvl="4"/>
             <a:r>
-              <a:rPr lang="en-US" smtClean="0"/>
+              <a:rPr lang="en-US"/>
               <a:t>Fifth level</a:t>
             </a:r>
-            <a:endParaRPr lang="en-US"/>
           </a:p>
         </p:txBody>
       </p:sp>
@@ -464,7 +476,7 @@
           <a:p>
             <a:fld id="{35D5AD20-49E9-1145-A8B3-F0422E41BDB2}" type="datetimeFigureOut">
               <a:rPr lang="en-US" smtClean="0"/>
-              <a:t>11/4/19</a:t>
+              <a:t>11/6/2019</a:t>
             </a:fld>
             <a:endParaRPr lang="en-US"/>
           </a:p>
@@ -563,10 +575,9 @@
           <a:lstStyle/>
           <a:p>
             <a:r>
-              <a:rPr lang="en-US" smtClean="0"/>
+              <a:rPr lang="en-US"/>
               <a:t>Click to edit Master title style</a:t>
             </a:r>
-            <a:endParaRPr lang="en-US"/>
           </a:p>
         </p:txBody>
       </p:sp>
@@ -592,38 +603,37 @@
           <a:p>
             <a:pPr lvl="0"/>
             <a:r>
-              <a:rPr lang="en-US" smtClean="0"/>
+              <a:rPr lang="en-US"/>
               <a:t>Click to edit Master text styles</a:t>
             </a:r>
           </a:p>
           <a:p>
             <a:pPr lvl="1"/>
             <a:r>
-              <a:rPr lang="en-US" smtClean="0"/>
+              <a:rPr lang="en-US"/>
               <a:t>Second level</a:t>
             </a:r>
           </a:p>
           <a:p>
             <a:pPr lvl="2"/>
             <a:r>
-              <a:rPr lang="en-US" smtClean="0"/>
+              <a:rPr lang="en-US"/>
               <a:t>Third level</a:t>
             </a:r>
           </a:p>
           <a:p>
             <a:pPr lvl="3"/>
             <a:r>
-              <a:rPr lang="en-US" smtClean="0"/>
+              <a:rPr lang="en-US"/>
               <a:t>Fourth level</a:t>
             </a:r>
           </a:p>
           <a:p>
             <a:pPr lvl="4"/>
             <a:r>
-              <a:rPr lang="en-US" smtClean="0"/>
+              <a:rPr lang="en-US"/>
               <a:t>Fifth level</a:t>
             </a:r>
-            <a:endParaRPr lang="en-US"/>
           </a:p>
         </p:txBody>
       </p:sp>
@@ -644,7 +654,7 @@
           <a:p>
             <a:fld id="{35D5AD20-49E9-1145-A8B3-F0422E41BDB2}" type="datetimeFigureOut">
               <a:rPr lang="en-US" smtClean="0"/>
-              <a:t>11/4/19</a:t>
+              <a:t>11/6/2019</a:t>
             </a:fld>
             <a:endParaRPr lang="en-US"/>
           </a:p>
@@ -738,10 +748,9 @@
           <a:lstStyle/>
           <a:p>
             <a:r>
-              <a:rPr lang="en-US" smtClean="0"/>
+              <a:rPr lang="en-US"/>
               <a:t>Click to edit Master title style</a:t>
             </a:r>
-            <a:endParaRPr lang="en-US"/>
           </a:p>
         </p:txBody>
       </p:sp>
@@ -762,38 +771,37 @@
           <a:p>
             <a:pPr lvl="0"/>
             <a:r>
-              <a:rPr lang="en-US" smtClean="0"/>
+              <a:rPr lang="en-US"/>
               <a:t>Click to edit Master text styles</a:t>
             </a:r>
           </a:p>
           <a:p>
             <a:pPr lvl="1"/>
             <a:r>
-              <a:rPr lang="en-US" smtClean="0"/>
+              <a:rPr lang="en-US"/>
               <a:t>Second level</a:t>
             </a:r>
           </a:p>
           <a:p>
             <a:pPr lvl="2"/>
             <a:r>
-              <a:rPr lang="en-US" smtClean="0"/>
+              <a:rPr lang="en-US"/>
               <a:t>Third level</a:t>
             </a:r>
           </a:p>
           <a:p>
             <a:pPr lvl="3"/>
             <a:r>
-              <a:rPr lang="en-US" smtClean="0"/>
+              <a:rPr lang="en-US"/>
               <a:t>Fourth level</a:t>
             </a:r>
           </a:p>
           <a:p>
             <a:pPr lvl="4"/>
             <a:r>
-              <a:rPr lang="en-US" smtClean="0"/>
+              <a:rPr lang="en-US"/>
               <a:t>Fifth level</a:t>
             </a:r>
-            <a:endParaRPr lang="en-US"/>
           </a:p>
         </p:txBody>
       </p:sp>
@@ -814,7 +822,7 @@
           <a:p>
             <a:fld id="{35D5AD20-49E9-1145-A8B3-F0422E41BDB2}" type="datetimeFigureOut">
               <a:rPr lang="en-US" smtClean="0"/>
-              <a:t>11/4/19</a:t>
+              <a:t>11/6/2019</a:t>
             </a:fld>
             <a:endParaRPr lang="en-US"/>
           </a:p>
@@ -917,10 +925,9 @@
           </a:lstStyle>
           <a:p>
             <a:r>
-              <a:rPr lang="en-US" smtClean="0"/>
+              <a:rPr lang="en-US"/>
               <a:t>Click to edit Master title style</a:t>
             </a:r>
-            <a:endParaRPr lang="en-US"/>
           </a:p>
         </p:txBody>
       </p:sp>
@@ -1037,7 +1044,7 @@
           <a:p>
             <a:pPr lvl="0"/>
             <a:r>
-              <a:rPr lang="en-US" smtClean="0"/>
+              <a:rPr lang="en-US"/>
               <a:t>Click to edit Master text styles</a:t>
             </a:r>
           </a:p>
@@ -1060,7 +1067,7 @@
           <a:p>
             <a:fld id="{35D5AD20-49E9-1145-A8B3-F0422E41BDB2}" type="datetimeFigureOut">
               <a:rPr lang="en-US" smtClean="0"/>
-              <a:t>11/4/19</a:t>
+              <a:t>11/6/2019</a:t>
             </a:fld>
             <a:endParaRPr lang="en-US"/>
           </a:p>
@@ -1154,10 +1161,9 @@
           <a:lstStyle/>
           <a:p>
             <a:r>
-              <a:rPr lang="en-US" smtClean="0"/>
+              <a:rPr lang="en-US"/>
               <a:t>Click to edit Master title style</a:t>
             </a:r>
-            <a:endParaRPr lang="en-US"/>
           </a:p>
         </p:txBody>
       </p:sp>
@@ -1211,38 +1217,37 @@
           <a:p>
             <a:pPr lvl="0"/>
             <a:r>
-              <a:rPr lang="en-US" smtClean="0"/>
+              <a:rPr lang="en-US"/>
               <a:t>Click to edit Master text styles</a:t>
             </a:r>
           </a:p>
           <a:p>
             <a:pPr lvl="1"/>
             <a:r>
-              <a:rPr lang="en-US" smtClean="0"/>
+              <a:rPr lang="en-US"/>
               <a:t>Second level</a:t>
             </a:r>
           </a:p>
           <a:p>
             <a:pPr lvl="2"/>
             <a:r>
-              <a:rPr lang="en-US" smtClean="0"/>
+              <a:rPr lang="en-US"/>
               <a:t>Third level</a:t>
             </a:r>
           </a:p>
           <a:p>
             <a:pPr lvl="3"/>
             <a:r>
-              <a:rPr lang="en-US" smtClean="0"/>
+              <a:rPr lang="en-US"/>
               <a:t>Fourth level</a:t>
             </a:r>
           </a:p>
           <a:p>
             <a:pPr lvl="4"/>
             <a:r>
-              <a:rPr lang="en-US" smtClean="0"/>
+              <a:rPr lang="en-US"/>
               <a:t>Fifth level</a:t>
             </a:r>
-            <a:endParaRPr lang="en-US"/>
           </a:p>
         </p:txBody>
       </p:sp>
@@ -1296,38 +1301,37 @@
           <a:p>
             <a:pPr lvl="0"/>
             <a:r>
-              <a:rPr lang="en-US" smtClean="0"/>
+              <a:rPr lang="en-US"/>
               <a:t>Click to edit Master text styles</a:t>
             </a:r>
           </a:p>
           <a:p>
             <a:pPr lvl="1"/>
             <a:r>
-              <a:rPr lang="en-US" smtClean="0"/>
+              <a:rPr lang="en-US"/>
               <a:t>Second level</a:t>
             </a:r>
           </a:p>
           <a:p>
             <a:pPr lvl="2"/>
             <a:r>
-              <a:rPr lang="en-US" smtClean="0"/>
+              <a:rPr lang="en-US"/>
               <a:t>Third level</a:t>
             </a:r>
           </a:p>
           <a:p>
             <a:pPr lvl="3"/>
             <a:r>
-              <a:rPr lang="en-US" smtClean="0"/>
+              <a:rPr lang="en-US"/>
               <a:t>Fourth level</a:t>
             </a:r>
           </a:p>
           <a:p>
             <a:pPr lvl="4"/>
             <a:r>
-              <a:rPr lang="en-US" smtClean="0"/>
+              <a:rPr lang="en-US"/>
               <a:t>Fifth level</a:t>
             </a:r>
-            <a:endParaRPr lang="en-US"/>
           </a:p>
         </p:txBody>
       </p:sp>
@@ -1348,7 +1352,7 @@
           <a:p>
             <a:fld id="{35D5AD20-49E9-1145-A8B3-F0422E41BDB2}" type="datetimeFigureOut">
               <a:rPr lang="en-US" smtClean="0"/>
-              <a:t>11/4/19</a:t>
+              <a:t>11/6/2019</a:t>
             </a:fld>
             <a:endParaRPr lang="en-US"/>
           </a:p>
@@ -1446,10 +1450,9 @@
           </a:lstStyle>
           <a:p>
             <a:r>
-              <a:rPr lang="en-US" smtClean="0"/>
+              <a:rPr lang="en-US"/>
               <a:t>Click to edit Master title style</a:t>
             </a:r>
-            <a:endParaRPr lang="en-US"/>
           </a:p>
         </p:txBody>
       </p:sp>
@@ -1512,7 +1515,7 @@
           <a:p>
             <a:pPr lvl="0"/>
             <a:r>
-              <a:rPr lang="en-US" smtClean="0"/>
+              <a:rPr lang="en-US"/>
               <a:t>Click to edit Master text styles</a:t>
             </a:r>
           </a:p>
@@ -1568,38 +1571,37 @@
           <a:p>
             <a:pPr lvl="0"/>
             <a:r>
-              <a:rPr lang="en-US" smtClean="0"/>
+              <a:rPr lang="en-US"/>
               <a:t>Click to edit Master text styles</a:t>
             </a:r>
           </a:p>
           <a:p>
             <a:pPr lvl="1"/>
             <a:r>
-              <a:rPr lang="en-US" smtClean="0"/>
+              <a:rPr lang="en-US"/>
               <a:t>Second level</a:t>
             </a:r>
           </a:p>
           <a:p>
             <a:pPr lvl="2"/>
             <a:r>
-              <a:rPr lang="en-US" smtClean="0"/>
+              <a:rPr lang="en-US"/>
               <a:t>Third level</a:t>
             </a:r>
           </a:p>
           <a:p>
             <a:pPr lvl="3"/>
             <a:r>
-              <a:rPr lang="en-US" smtClean="0"/>
+              <a:rPr lang="en-US"/>
               <a:t>Fourth level</a:t>
             </a:r>
           </a:p>
           <a:p>
             <a:pPr lvl="4"/>
             <a:r>
-              <a:rPr lang="en-US" smtClean="0"/>
+              <a:rPr lang="en-US"/>
               <a:t>Fifth level</a:t>
             </a:r>
-            <a:endParaRPr lang="en-US"/>
           </a:p>
         </p:txBody>
       </p:sp>
@@ -1662,7 +1664,7 @@
           <a:p>
             <a:pPr lvl="0"/>
             <a:r>
-              <a:rPr lang="en-US" smtClean="0"/>
+              <a:rPr lang="en-US"/>
               <a:t>Click to edit Master text styles</a:t>
             </a:r>
           </a:p>
@@ -1718,38 +1720,37 @@
           <a:p>
             <a:pPr lvl="0"/>
             <a:r>
-              <a:rPr lang="en-US" smtClean="0"/>
+              <a:rPr lang="en-US"/>
               <a:t>Click to edit Master text styles</a:t>
             </a:r>
           </a:p>
           <a:p>
             <a:pPr lvl="1"/>
             <a:r>
-              <a:rPr lang="en-US" smtClean="0"/>
+              <a:rPr lang="en-US"/>
               <a:t>Second level</a:t>
             </a:r>
           </a:p>
           <a:p>
             <a:pPr lvl="2"/>
             <a:r>
-              <a:rPr lang="en-US" smtClean="0"/>
+              <a:rPr lang="en-US"/>
               <a:t>Third level</a:t>
             </a:r>
           </a:p>
           <a:p>
             <a:pPr lvl="3"/>
             <a:r>
-              <a:rPr lang="en-US" smtClean="0"/>
+              <a:rPr lang="en-US"/>
               <a:t>Fourth level</a:t>
             </a:r>
           </a:p>
           <a:p>
             <a:pPr lvl="4"/>
             <a:r>
-              <a:rPr lang="en-US" smtClean="0"/>
+              <a:rPr lang="en-US"/>
               <a:t>Fifth level</a:t>
             </a:r>
-            <a:endParaRPr lang="en-US"/>
           </a:p>
         </p:txBody>
       </p:sp>
@@ -1770,7 +1771,7 @@
           <a:p>
             <a:fld id="{35D5AD20-49E9-1145-A8B3-F0422E41BDB2}" type="datetimeFigureOut">
               <a:rPr lang="en-US" smtClean="0"/>
-              <a:t>11/4/19</a:t>
+              <a:t>11/6/2019</a:t>
             </a:fld>
             <a:endParaRPr lang="en-US"/>
           </a:p>
@@ -1864,10 +1865,9 @@
           <a:lstStyle/>
           <a:p>
             <a:r>
-              <a:rPr lang="en-US" smtClean="0"/>
+              <a:rPr lang="en-US"/>
               <a:t>Click to edit Master title style</a:t>
             </a:r>
-            <a:endParaRPr lang="en-US"/>
           </a:p>
         </p:txBody>
       </p:sp>
@@ -1888,7 +1888,7 @@
           <a:p>
             <a:fld id="{35D5AD20-49E9-1145-A8B3-F0422E41BDB2}" type="datetimeFigureOut">
               <a:rPr lang="en-US" smtClean="0"/>
-              <a:t>11/4/19</a:t>
+              <a:t>11/6/2019</a:t>
             </a:fld>
             <a:endParaRPr lang="en-US"/>
           </a:p>
@@ -1983,7 +1983,7 @@
           <a:p>
             <a:fld id="{35D5AD20-49E9-1145-A8B3-F0422E41BDB2}" type="datetimeFigureOut">
               <a:rPr lang="en-US" smtClean="0"/>
-              <a:t>11/4/19</a:t>
+              <a:t>11/6/2019</a:t>
             </a:fld>
             <a:endParaRPr lang="en-US"/>
           </a:p>
@@ -2086,10 +2086,9 @@
           </a:lstStyle>
           <a:p>
             <a:r>
-              <a:rPr lang="en-US" smtClean="0"/>
+              <a:rPr lang="en-US"/>
               <a:t>Click to edit Master title style</a:t>
             </a:r>
-            <a:endParaRPr lang="en-US"/>
           </a:p>
         </p:txBody>
       </p:sp>
@@ -2143,38 +2142,37 @@
           <a:p>
             <a:pPr lvl="0"/>
             <a:r>
-              <a:rPr lang="en-US" smtClean="0"/>
+              <a:rPr lang="en-US"/>
               <a:t>Click to edit Master text styles</a:t>
             </a:r>
           </a:p>
           <a:p>
             <a:pPr lvl="1"/>
             <a:r>
-              <a:rPr lang="en-US" smtClean="0"/>
+              <a:rPr lang="en-US"/>
               <a:t>Second level</a:t>
             </a:r>
           </a:p>
           <a:p>
             <a:pPr lvl="2"/>
             <a:r>
-              <a:rPr lang="en-US" smtClean="0"/>
+              <a:rPr lang="en-US"/>
               <a:t>Third level</a:t>
             </a:r>
           </a:p>
           <a:p>
             <a:pPr lvl="3"/>
             <a:r>
-              <a:rPr lang="en-US" smtClean="0"/>
+              <a:rPr lang="en-US"/>
               <a:t>Fourth level</a:t>
             </a:r>
           </a:p>
           <a:p>
             <a:pPr lvl="4"/>
             <a:r>
-              <a:rPr lang="en-US" smtClean="0"/>
+              <a:rPr lang="en-US"/>
               <a:t>Fifth level</a:t>
             </a:r>
-            <a:endParaRPr lang="en-US"/>
           </a:p>
         </p:txBody>
       </p:sp>
@@ -2237,7 +2235,7 @@
           <a:p>
             <a:pPr lvl="0"/>
             <a:r>
-              <a:rPr lang="en-US" smtClean="0"/>
+              <a:rPr lang="en-US"/>
               <a:t>Click to edit Master text styles</a:t>
             </a:r>
           </a:p>
@@ -2260,7 +2258,7 @@
           <a:p>
             <a:fld id="{35D5AD20-49E9-1145-A8B3-F0422E41BDB2}" type="datetimeFigureOut">
               <a:rPr lang="en-US" smtClean="0"/>
-              <a:t>11/4/19</a:t>
+              <a:t>11/6/2019</a:t>
             </a:fld>
             <a:endParaRPr lang="en-US"/>
           </a:p>
@@ -2363,10 +2361,9 @@
           </a:lstStyle>
           <a:p>
             <a:r>
-              <a:rPr lang="en-US" smtClean="0"/>
+              <a:rPr lang="en-US"/>
               <a:t>Click to edit Master title style</a:t>
             </a:r>
-            <a:endParaRPr lang="en-US"/>
           </a:p>
         </p:txBody>
       </p:sp>
@@ -2490,7 +2487,7 @@
           <a:p>
             <a:pPr lvl="0"/>
             <a:r>
-              <a:rPr lang="en-US" smtClean="0"/>
+              <a:rPr lang="en-US"/>
               <a:t>Click to edit Master text styles</a:t>
             </a:r>
           </a:p>
@@ -2513,7 +2510,7 @@
           <a:p>
             <a:fld id="{35D5AD20-49E9-1145-A8B3-F0422E41BDB2}" type="datetimeFigureOut">
               <a:rPr lang="en-US" smtClean="0"/>
-              <a:t>11/4/19</a:t>
+              <a:t>11/6/2019</a:t>
             </a:fld>
             <a:endParaRPr lang="en-US"/>
           </a:p>
@@ -2622,10 +2619,9 @@
           <a:lstStyle/>
           <a:p>
             <a:r>
-              <a:rPr lang="en-US" smtClean="0"/>
+              <a:rPr lang="en-US"/>
               <a:t>Click to edit Master title style</a:t>
             </a:r>
-            <a:endParaRPr lang="en-US"/>
           </a:p>
         </p:txBody>
       </p:sp>
@@ -2656,38 +2652,37 @@
           <a:p>
             <a:pPr lvl="0"/>
             <a:r>
-              <a:rPr lang="en-US" smtClean="0"/>
+              <a:rPr lang="en-US"/>
               <a:t>Click to edit Master text styles</a:t>
             </a:r>
           </a:p>
           <a:p>
             <a:pPr lvl="1"/>
             <a:r>
-              <a:rPr lang="en-US" smtClean="0"/>
+              <a:rPr lang="en-US"/>
               <a:t>Second level</a:t>
             </a:r>
           </a:p>
           <a:p>
             <a:pPr lvl="2"/>
             <a:r>
-              <a:rPr lang="en-US" smtClean="0"/>
+              <a:rPr lang="en-US"/>
               <a:t>Third level</a:t>
             </a:r>
           </a:p>
           <a:p>
             <a:pPr lvl="3"/>
             <a:r>
-              <a:rPr lang="en-US" smtClean="0"/>
+              <a:rPr lang="en-US"/>
               <a:t>Fourth level</a:t>
             </a:r>
           </a:p>
           <a:p>
             <a:pPr lvl="4"/>
             <a:r>
-              <a:rPr lang="en-US" smtClean="0"/>
+              <a:rPr lang="en-US"/>
               <a:t>Fifth level</a:t>
             </a:r>
-            <a:endParaRPr lang="en-US"/>
           </a:p>
         </p:txBody>
       </p:sp>
@@ -2726,7 +2721,7 @@
           <a:p>
             <a:fld id="{35D5AD20-49E9-1145-A8B3-F0422E41BDB2}" type="datetimeFigureOut">
               <a:rPr lang="en-US" smtClean="0"/>
-              <a:t>11/4/19</a:t>
+              <a:t>11/6/2019</a:t>
             </a:fld>
             <a:endParaRPr lang="en-US"/>
           </a:p>
@@ -3117,10 +3112,9 @@
           <a:lstStyle/>
           <a:p>
             <a:r>
-              <a:rPr lang="en-US" dirty="0" smtClean="0"/>
+              <a:rPr lang="en-US" dirty="0"/>
               <a:t>PROTOTYPE</a:t>
             </a:r>
-            <a:endParaRPr lang="en-US" dirty="0"/>
           </a:p>
         </p:txBody>
       </p:sp>
@@ -3142,34 +3136,33 @@
           <a:lstStyle/>
           <a:p>
             <a:r>
-              <a:rPr lang="en-US" dirty="0" smtClean="0"/>
+              <a:rPr lang="en-US" dirty="0"/>
               <a:t>HANGMAN PROJECT</a:t>
             </a:r>
           </a:p>
           <a:p>
             <a:r>
-              <a:rPr lang="en-US" dirty="0" smtClean="0"/>
+              <a:rPr lang="en-US" dirty="0"/>
               <a:t>TEAM 4</a:t>
             </a:r>
           </a:p>
           <a:p>
             <a:r>
-              <a:rPr lang="en-US" dirty="0" smtClean="0"/>
+              <a:rPr lang="en-US" dirty="0"/>
               <a:t>INSTRUCTOR: JUAN VEGA</a:t>
             </a:r>
           </a:p>
           <a:p>
             <a:r>
-              <a:rPr lang="en-US" dirty="0" smtClean="0"/>
+              <a:rPr lang="en-US" dirty="0"/>
               <a:t>SOFTWARE ENGINEERING</a:t>
             </a:r>
           </a:p>
           <a:p>
             <a:r>
-              <a:rPr lang="en-US" smtClean="0"/>
+              <a:rPr lang="en-US"/>
               <a:t>2019</a:t>
             </a:r>
-            <a:endParaRPr lang="en-US"/>
           </a:p>
         </p:txBody>
       </p:sp>
@@ -3219,10 +3212,9 @@
           <a:lstStyle/>
           <a:p>
             <a:r>
-              <a:rPr lang="en-US" dirty="0" smtClean="0"/>
+              <a:rPr lang="en-US" dirty="0"/>
               <a:t>HOME PAGE</a:t>
             </a:r>
-            <a:endParaRPr lang="en-US" dirty="0"/>
           </a:p>
         </p:txBody>
       </p:sp>
@@ -3293,7 +3285,7 @@
           <a:lstStyle/>
           <a:p>
             <a:r>
-              <a:rPr lang="en-US" sz="3600" b="1" dirty="0" smtClean="0"/>
+              <a:rPr lang="en-US" sz="3600" b="1" dirty="0"/>
               <a:t>SINGLE MODE</a:t>
             </a:r>
             <a:endParaRPr lang="en-US" sz="3600" dirty="0"/>
@@ -3333,13 +3325,6 @@
   <p:clrMapOvr>
     <a:masterClrMapping/>
   </p:clrMapOvr>
-  <p:timing>
-    <p:tnLst>
-      <p:par>
-        <p:cTn xmlns:p14="http://schemas.microsoft.com/office/powerpoint/2010/main" id="1" dur="indefinite" restart="never" nodeType="tmRoot"/>
-      </p:par>
-    </p:tnLst>
-  </p:timing>
 </p:sld>
 </file>
 
@@ -3376,32 +3361,41 @@
           <a:lstStyle/>
           <a:p>
             <a:r>
-              <a:rPr lang="en-US" dirty="0" smtClean="0"/>
+              <a:rPr lang="en-US" dirty="0"/>
               <a:t>SINGLE MODE- WIN SCENARIO</a:t>
             </a:r>
-            <a:endParaRPr lang="en-US" dirty="0"/>
-          </a:p>
-        </p:txBody>
-      </p:sp>
-      <p:sp>
-        <p:nvSpPr>
-          <p:cNvPr id="3" name="Content Placeholder 2"/>
-          <p:cNvSpPr>
-            <a:spLocks noGrp="1"/>
-          </p:cNvSpPr>
+          </a:p>
+        </p:txBody>
+      </p:sp>
+      <p:pic>
+        <p:nvPicPr>
+          <p:cNvPr id="28" name="Content Placeholder 27">
+            <a:extLst>
+              <a:ext uri="{FF2B5EF4-FFF2-40B4-BE49-F238E27FC236}">
+                <a16:creationId xmlns:a16="http://schemas.microsoft.com/office/drawing/2014/main" id="{0C7CACDD-9047-44D0-8C3D-78C49081984B}"/>
+              </a:ext>
+            </a:extLst>
+          </p:cNvPr>
+          <p:cNvPicPr>
+            <a:picLocks noGrp="1" noChangeAspect="1"/>
+          </p:cNvPicPr>
           <p:nvPr>
             <p:ph idx="1"/>
           </p:nvPr>
-        </p:nvSpPr>
-        <p:spPr/>
-        <p:txBody>
-          <a:bodyPr/>
-          <a:lstStyle/>
-          <a:p>
-            <a:endParaRPr lang="en-US"/>
-          </a:p>
-        </p:txBody>
-      </p:sp>
+        </p:nvPicPr>
+        <p:blipFill>
+          <a:blip r:embed="rId2"/>
+          <a:stretch>
+            <a:fillRect/>
+          </a:stretch>
+        </p:blipFill>
+        <p:spPr>
+          <a:xfrm>
+            <a:off x="457199" y="2110841"/>
+            <a:ext cx="8627165" cy="4319775"/>
+          </a:xfrm>
+        </p:spPr>
+      </p:pic>
     </p:spTree>
     <p:extLst>
       <p:ext uri="{BB962C8B-B14F-4D97-AF65-F5344CB8AC3E}">
@@ -3448,10 +3442,9 @@
           <a:lstStyle/>
           <a:p>
             <a:r>
-              <a:rPr lang="en-US" dirty="0" smtClean="0"/>
+              <a:rPr lang="en-US" dirty="0"/>
               <a:t>SINGLE MODE- LOST SCENARIO</a:t>
             </a:r>
-            <a:endParaRPr lang="en-US" dirty="0"/>
           </a:p>
         </p:txBody>
       </p:sp>
@@ -3520,10 +3513,9 @@
           <a:lstStyle/>
           <a:p>
             <a:r>
-              <a:rPr lang="en-US" dirty="0" smtClean="0"/>
+              <a:rPr lang="en-US" dirty="0"/>
               <a:t>MUTLI MODE</a:t>
             </a:r>
-            <a:endParaRPr lang="en-US" dirty="0"/>
           </a:p>
         </p:txBody>
       </p:sp>
@@ -3592,10 +3584,9 @@
           <a:lstStyle/>
           <a:p>
             <a:r>
-              <a:rPr lang="en-US" dirty="0" smtClean="0"/>
+              <a:rPr lang="en-US" dirty="0"/>
               <a:t>ADMIN MODE</a:t>
             </a:r>
-            <a:endParaRPr lang="en-US" dirty="0"/>
           </a:p>
         </p:txBody>
       </p:sp>

--- a/TEAM4_PROTOTYPE.pptx
+++ b/TEAM4_PROTOTYPE.pptx
@@ -6,12 +6,14 @@
   </p:sldMasterIdLst>
   <p:sldIdLst>
     <p:sldId id="256" r:id="rId2"/>
-    <p:sldId id="258" r:id="rId3"/>
-    <p:sldId id="257" r:id="rId4"/>
-    <p:sldId id="260" r:id="rId5"/>
-    <p:sldId id="261" r:id="rId6"/>
-    <p:sldId id="259" r:id="rId7"/>
-    <p:sldId id="262" r:id="rId8"/>
+    <p:sldId id="264" r:id="rId3"/>
+    <p:sldId id="265" r:id="rId4"/>
+    <p:sldId id="266" r:id="rId5"/>
+    <p:sldId id="257" r:id="rId6"/>
+    <p:sldId id="260" r:id="rId7"/>
+    <p:sldId id="261" r:id="rId8"/>
+    <p:sldId id="259" r:id="rId9"/>
+    <p:sldId id="262" r:id="rId10"/>
   </p:sldIdLst>
   <p:sldSz cx="9144000" cy="6858000" type="screen4x3"/>
   <p:notesSz cx="6858000" cy="9144000"/>
@@ -111,6 +113,27 @@
     </a:lvl9pPr>
   </p:defaultTextStyle>
   <p:extLst>
+    <p:ext uri="{521415D9-36F7-43E2-AB2F-B90AF26B5E84}">
+      <p14:sectionLst xmlns:p14="http://schemas.microsoft.com/office/powerpoint/2010/main">
+        <p14:section name="Default Section" id="{3CD95423-CA2C-4A23-A080-C82D60624898}">
+          <p14:sldIdLst>
+            <p14:sldId id="256"/>
+            <p14:sldId id="264"/>
+            <p14:sldId id="265"/>
+            <p14:sldId id="266"/>
+          </p14:sldIdLst>
+        </p14:section>
+        <p14:section name="Untitled Section" id="{5B5E82FF-7A1E-4E44-A159-2B458851315C}">
+          <p14:sldIdLst>
+            <p14:sldId id="257"/>
+            <p14:sldId id="260"/>
+            <p14:sldId id="261"/>
+            <p14:sldId id="259"/>
+            <p14:sldId id="262"/>
+          </p14:sldIdLst>
+        </p14:section>
+      </p14:sectionLst>
+    </p:ext>
     <p:ext uri="{EFAFB233-063F-42B5-8137-9DF3F51BA10A}">
       <p15:sldGuideLst xmlns:p15="http://schemas.microsoft.com/office/powerpoint/2012/main">
         <p15:guide id="1" orient="horz" pos="2160">
@@ -308,7 +331,7 @@
           <a:p>
             <a:fld id="{35D5AD20-49E9-1145-A8B3-F0422E41BDB2}" type="datetimeFigureOut">
               <a:rPr lang="en-US" smtClean="0"/>
-              <a:t>11/6/2019</a:t>
+              <a:t>11/7/2019</a:t>
             </a:fld>
             <a:endParaRPr lang="en-US"/>
           </a:p>
@@ -476,7 +499,7 @@
           <a:p>
             <a:fld id="{35D5AD20-49E9-1145-A8B3-F0422E41BDB2}" type="datetimeFigureOut">
               <a:rPr lang="en-US" smtClean="0"/>
-              <a:t>11/6/2019</a:t>
+              <a:t>11/7/2019</a:t>
             </a:fld>
             <a:endParaRPr lang="en-US"/>
           </a:p>
@@ -654,7 +677,7 @@
           <a:p>
             <a:fld id="{35D5AD20-49E9-1145-A8B3-F0422E41BDB2}" type="datetimeFigureOut">
               <a:rPr lang="en-US" smtClean="0"/>
-              <a:t>11/6/2019</a:t>
+              <a:t>11/7/2019</a:t>
             </a:fld>
             <a:endParaRPr lang="en-US"/>
           </a:p>
@@ -822,7 +845,7 @@
           <a:p>
             <a:fld id="{35D5AD20-49E9-1145-A8B3-F0422E41BDB2}" type="datetimeFigureOut">
               <a:rPr lang="en-US" smtClean="0"/>
-              <a:t>11/6/2019</a:t>
+              <a:t>11/7/2019</a:t>
             </a:fld>
             <a:endParaRPr lang="en-US"/>
           </a:p>
@@ -1067,7 +1090,7 @@
           <a:p>
             <a:fld id="{35D5AD20-49E9-1145-A8B3-F0422E41BDB2}" type="datetimeFigureOut">
               <a:rPr lang="en-US" smtClean="0"/>
-              <a:t>11/6/2019</a:t>
+              <a:t>11/7/2019</a:t>
             </a:fld>
             <a:endParaRPr lang="en-US"/>
           </a:p>
@@ -1352,7 +1375,7 @@
           <a:p>
             <a:fld id="{35D5AD20-49E9-1145-A8B3-F0422E41BDB2}" type="datetimeFigureOut">
               <a:rPr lang="en-US" smtClean="0"/>
-              <a:t>11/6/2019</a:t>
+              <a:t>11/7/2019</a:t>
             </a:fld>
             <a:endParaRPr lang="en-US"/>
           </a:p>
@@ -1771,7 +1794,7 @@
           <a:p>
             <a:fld id="{35D5AD20-49E9-1145-A8B3-F0422E41BDB2}" type="datetimeFigureOut">
               <a:rPr lang="en-US" smtClean="0"/>
-              <a:t>11/6/2019</a:t>
+              <a:t>11/7/2019</a:t>
             </a:fld>
             <a:endParaRPr lang="en-US"/>
           </a:p>
@@ -1888,7 +1911,7 @@
           <a:p>
             <a:fld id="{35D5AD20-49E9-1145-A8B3-F0422E41BDB2}" type="datetimeFigureOut">
               <a:rPr lang="en-US" smtClean="0"/>
-              <a:t>11/6/2019</a:t>
+              <a:t>11/7/2019</a:t>
             </a:fld>
             <a:endParaRPr lang="en-US"/>
           </a:p>
@@ -1983,7 +2006,7 @@
           <a:p>
             <a:fld id="{35D5AD20-49E9-1145-A8B3-F0422E41BDB2}" type="datetimeFigureOut">
               <a:rPr lang="en-US" smtClean="0"/>
-              <a:t>11/6/2019</a:t>
+              <a:t>11/7/2019</a:t>
             </a:fld>
             <a:endParaRPr lang="en-US"/>
           </a:p>
@@ -2258,7 +2281,7 @@
           <a:p>
             <a:fld id="{35D5AD20-49E9-1145-A8B3-F0422E41BDB2}" type="datetimeFigureOut">
               <a:rPr lang="en-US" smtClean="0"/>
-              <a:t>11/6/2019</a:t>
+              <a:t>11/7/2019</a:t>
             </a:fld>
             <a:endParaRPr lang="en-US"/>
           </a:p>
@@ -2510,7 +2533,7 @@
           <a:p>
             <a:fld id="{35D5AD20-49E9-1145-A8B3-F0422E41BDB2}" type="datetimeFigureOut">
               <a:rPr lang="en-US" smtClean="0"/>
-              <a:t>11/6/2019</a:t>
+              <a:t>11/7/2019</a:t>
             </a:fld>
             <a:endParaRPr lang="en-US"/>
           </a:p>
@@ -2721,7 +2744,7 @@
           <a:p>
             <a:fld id="{35D5AD20-49E9-1145-A8B3-F0422E41BDB2}" type="datetimeFigureOut">
               <a:rPr lang="en-US" smtClean="0"/>
-              <a:t>11/6/2019</a:t>
+              <a:t>11/7/2019</a:t>
             </a:fld>
             <a:endParaRPr lang="en-US"/>
           </a:p>
@@ -3196,6 +3219,35 @@
           <a:chExt cx="0" cy="0"/>
         </a:xfrm>
       </p:grpSpPr>
+      <p:pic>
+        <p:nvPicPr>
+          <p:cNvPr id="4" name="Content Placeholder 3"/>
+          <p:cNvPicPr>
+            <a:picLocks noGrp="1" noChangeAspect="1"/>
+          </p:cNvPicPr>
+          <p:nvPr>
+            <p:ph idx="1"/>
+          </p:nvPr>
+        </p:nvPicPr>
+        <p:blipFill>
+          <a:blip r:embed="rId2">
+            <a:extLst>
+              <a:ext uri="{28A0092B-C50C-407E-A947-70E740481C1C}">
+                <a14:useLocalDpi xmlns:a14="http://schemas.microsoft.com/office/drawing/2010/main" val="0"/>
+              </a:ext>
+            </a:extLst>
+          </a:blip>
+          <a:stretch>
+            <a:fillRect/>
+          </a:stretch>
+        </p:blipFill>
+        <p:spPr>
+          <a:xfrm>
+            <a:off x="0" y="983673"/>
+            <a:ext cx="8642168" cy="5874327"/>
+          </a:xfrm>
+        </p:spPr>
+      </p:pic>
       <p:sp>
         <p:nvSpPr>
           <p:cNvPr id="2" name="Title 1"/>
@@ -3212,35 +3264,17 @@
           <a:lstStyle/>
           <a:p>
             <a:r>
-              <a:rPr lang="en-US" dirty="0"/>
-              <a:t>HOME PAGE</a:t>
-            </a:r>
-          </a:p>
-        </p:txBody>
-      </p:sp>
-      <p:sp>
-        <p:nvSpPr>
-          <p:cNvPr id="3" name="Content Placeholder 2"/>
-          <p:cNvSpPr>
-            <a:spLocks noGrp="1"/>
-          </p:cNvSpPr>
-          <p:nvPr>
-            <p:ph idx="1"/>
-          </p:nvPr>
-        </p:nvSpPr>
-        <p:spPr/>
-        <p:txBody>
-          <a:bodyPr/>
-          <a:lstStyle/>
-          <a:p>
-            <a:endParaRPr lang="en-US"/>
+              <a:rPr lang="en-IN" dirty="0" smtClean="0"/>
+              <a:t>Home Page</a:t>
+            </a:r>
+            <a:endParaRPr lang="en-IN" dirty="0"/>
           </a:p>
         </p:txBody>
       </p:sp>
     </p:spTree>
     <p:extLst>
       <p:ext uri="{BB962C8B-B14F-4D97-AF65-F5344CB8AC3E}">
-        <p14:creationId xmlns:p14="http://schemas.microsoft.com/office/powerpoint/2010/main" val="3762821769"/>
+        <p14:creationId xmlns:p14="http://schemas.microsoft.com/office/powerpoint/2010/main" val="739050917"/>
       </p:ext>
     </p:extLst>
   </p:cSld>
@@ -3279,6 +3313,170 @@
         </p:nvSpPr>
         <p:spPr/>
         <p:txBody>
+          <a:bodyPr/>
+          <a:lstStyle/>
+          <a:p>
+            <a:r>
+              <a:rPr lang="en-IN" dirty="0" smtClean="0"/>
+              <a:t>Single User Login</a:t>
+            </a:r>
+            <a:endParaRPr lang="en-IN" dirty="0"/>
+          </a:p>
+        </p:txBody>
+      </p:sp>
+      <p:pic>
+        <p:nvPicPr>
+          <p:cNvPr id="4" name="Content Placeholder 3"/>
+          <p:cNvPicPr>
+            <a:picLocks noGrp="1" noChangeAspect="1"/>
+          </p:cNvPicPr>
+          <p:nvPr>
+            <p:ph idx="1"/>
+          </p:nvPr>
+        </p:nvPicPr>
+        <p:blipFill>
+          <a:blip r:embed="rId2">
+            <a:extLst>
+              <a:ext uri="{28A0092B-C50C-407E-A947-70E740481C1C}">
+                <a14:useLocalDpi xmlns:a14="http://schemas.microsoft.com/office/drawing/2010/main" val="0"/>
+              </a:ext>
+            </a:extLst>
+          </a:blip>
+          <a:stretch>
+            <a:fillRect/>
+          </a:stretch>
+        </p:blipFill>
+        <p:spPr>
+          <a:xfrm>
+            <a:off x="720435" y="1316182"/>
+            <a:ext cx="7841673" cy="5430981"/>
+          </a:xfrm>
+        </p:spPr>
+      </p:pic>
+    </p:spTree>
+    <p:extLst>
+      <p:ext uri="{BB962C8B-B14F-4D97-AF65-F5344CB8AC3E}">
+        <p14:creationId xmlns:p14="http://schemas.microsoft.com/office/powerpoint/2010/main" val="2640007562"/>
+      </p:ext>
+    </p:extLst>
+  </p:cSld>
+  <p:clrMapOvr>
+    <a:masterClrMapping/>
+  </p:clrMapOvr>
+</p:sld>
+</file>
+
+<file path=ppt/slides/slide4.xml><?xml version="1.0" encoding="utf-8"?>
+<p:sld xmlns:a="http://schemas.openxmlformats.org/drawingml/2006/main" xmlns:r="http://schemas.openxmlformats.org/officeDocument/2006/relationships" xmlns:p="http://schemas.openxmlformats.org/presentationml/2006/main">
+  <p:cSld>
+    <p:spTree>
+      <p:nvGrpSpPr>
+        <p:cNvPr id="1" name=""/>
+        <p:cNvGrpSpPr/>
+        <p:nvPr/>
+      </p:nvGrpSpPr>
+      <p:grpSpPr>
+        <a:xfrm>
+          <a:off x="0" y="0"/>
+          <a:ext cx="0" cy="0"/>
+          <a:chOff x="0" y="0"/>
+          <a:chExt cx="0" cy="0"/>
+        </a:xfrm>
+      </p:grpSpPr>
+      <p:sp>
+        <p:nvSpPr>
+          <p:cNvPr id="2" name="Title 1"/>
+          <p:cNvSpPr>
+            <a:spLocks noGrp="1"/>
+          </p:cNvSpPr>
+          <p:nvPr>
+            <p:ph type="title"/>
+          </p:nvPr>
+        </p:nvSpPr>
+        <p:spPr/>
+        <p:txBody>
+          <a:bodyPr/>
+          <a:lstStyle/>
+          <a:p>
+            <a:r>
+              <a:rPr lang="en-IN" dirty="0" smtClean="0"/>
+              <a:t>Multi-Player Login</a:t>
+            </a:r>
+            <a:endParaRPr lang="en-IN" dirty="0"/>
+          </a:p>
+        </p:txBody>
+      </p:sp>
+      <p:pic>
+        <p:nvPicPr>
+          <p:cNvPr id="4" name="Content Placeholder 3"/>
+          <p:cNvPicPr>
+            <a:picLocks noGrp="1" noChangeAspect="1"/>
+          </p:cNvPicPr>
+          <p:nvPr>
+            <p:ph idx="1"/>
+          </p:nvPr>
+        </p:nvPicPr>
+        <p:blipFill>
+          <a:blip r:embed="rId2">
+            <a:extLst>
+              <a:ext uri="{28A0092B-C50C-407E-A947-70E740481C1C}">
+                <a14:useLocalDpi xmlns:a14="http://schemas.microsoft.com/office/drawing/2010/main" val="0"/>
+              </a:ext>
+            </a:extLst>
+          </a:blip>
+          <a:stretch>
+            <a:fillRect/>
+          </a:stretch>
+        </p:blipFill>
+        <p:spPr>
+          <a:xfrm>
+            <a:off x="589371" y="1184564"/>
+            <a:ext cx="7965257" cy="5562600"/>
+          </a:xfrm>
+        </p:spPr>
+      </p:pic>
+    </p:spTree>
+    <p:extLst>
+      <p:ext uri="{BB962C8B-B14F-4D97-AF65-F5344CB8AC3E}">
+        <p14:creationId xmlns:p14="http://schemas.microsoft.com/office/powerpoint/2010/main" val="301503736"/>
+      </p:ext>
+    </p:extLst>
+  </p:cSld>
+  <p:clrMapOvr>
+    <a:masterClrMapping/>
+  </p:clrMapOvr>
+</p:sld>
+</file>
+
+<file path=ppt/slides/slide5.xml><?xml version="1.0" encoding="utf-8"?>
+<p:sld xmlns:a="http://schemas.openxmlformats.org/drawingml/2006/main" xmlns:r="http://schemas.openxmlformats.org/officeDocument/2006/relationships" xmlns:p="http://schemas.openxmlformats.org/presentationml/2006/main">
+  <p:cSld>
+    <p:spTree>
+      <p:nvGrpSpPr>
+        <p:cNvPr id="1" name=""/>
+        <p:cNvGrpSpPr/>
+        <p:nvPr/>
+      </p:nvGrpSpPr>
+      <p:grpSpPr>
+        <a:xfrm>
+          <a:off x="0" y="0"/>
+          <a:ext cx="0" cy="0"/>
+          <a:chOff x="0" y="0"/>
+          <a:chExt cx="0" cy="0"/>
+        </a:xfrm>
+      </p:grpSpPr>
+      <p:sp>
+        <p:nvSpPr>
+          <p:cNvPr id="2" name="Title 1"/>
+          <p:cNvSpPr>
+            <a:spLocks noGrp="1"/>
+          </p:cNvSpPr>
+          <p:nvPr>
+            <p:ph type="title"/>
+          </p:nvPr>
+        </p:nvSpPr>
+        <p:spPr/>
+        <p:txBody>
           <a:bodyPr>
             <a:normAutofit/>
           </a:bodyPr>
@@ -3328,7 +3526,7 @@
 </p:sld>
 </file>
 
-<file path=ppt/slides/slide4.xml><?xml version="1.0" encoding="utf-8"?>
+<file path=ppt/slides/slide6.xml><?xml version="1.0" encoding="utf-8"?>
 <p:sld xmlns:a="http://schemas.openxmlformats.org/drawingml/2006/main" xmlns:r="http://schemas.openxmlformats.org/officeDocument/2006/relationships" xmlns:p="http://schemas.openxmlformats.org/presentationml/2006/main">
   <p:cSld>
     <p:spTree>
@@ -3409,7 +3607,7 @@
 </p:sld>
 </file>
 
-<file path=ppt/slides/slide5.xml><?xml version="1.0" encoding="utf-8"?>
+<file path=ppt/slides/slide7.xml><?xml version="1.0" encoding="utf-8"?>
 <p:sld xmlns:a="http://schemas.openxmlformats.org/drawingml/2006/main" xmlns:r="http://schemas.openxmlformats.org/officeDocument/2006/relationships" xmlns:p="http://schemas.openxmlformats.org/presentationml/2006/main">
   <p:cSld>
     <p:spTree>
@@ -3480,7 +3678,7 @@
 </p:sld>
 </file>
 
-<file path=ppt/slides/slide6.xml><?xml version="1.0" encoding="utf-8"?>
+<file path=ppt/slides/slide8.xml><?xml version="1.0" encoding="utf-8"?>
 <p:sld xmlns:a="http://schemas.openxmlformats.org/drawingml/2006/main" xmlns:r="http://schemas.openxmlformats.org/officeDocument/2006/relationships" xmlns:p="http://schemas.openxmlformats.org/presentationml/2006/main">
   <p:cSld>
     <p:spTree>
@@ -3551,7 +3749,7 @@
 </p:sld>
 </file>
 
-<file path=ppt/slides/slide7.xml><?xml version="1.0" encoding="utf-8"?>
+<file path=ppt/slides/slide9.xml><?xml version="1.0" encoding="utf-8"?>
 <p:sld xmlns:a="http://schemas.openxmlformats.org/drawingml/2006/main" xmlns:r="http://schemas.openxmlformats.org/officeDocument/2006/relationships" xmlns:p="http://schemas.openxmlformats.org/presentationml/2006/main">
   <p:cSld>
     <p:spTree>
